--- a/meetings/2018-2019 Semester1/week1/初识Pwn_最基础的攻击方法.pptx
+++ b/meetings/2018-2019 Semester1/week1/初识Pwn_最基础的攻击方法.pptx
@@ -282,7 +282,7 @@
           <a:p>
             <a:fld id="{B31508FC-DFA2-9B40-8A1D-7B38C710F369}" type="datetimeFigureOut">
               <a:rPr kumimoji="1" lang="zh-CN" altLang="en-US" smtClean="0"/>
-              <a:t>2018/9/4</a:t>
+              <a:t>2018/9/5</a:t>
             </a:fld>
             <a:endParaRPr kumimoji="1" lang="zh-CN" altLang="en-US"/>
           </a:p>
@@ -480,7 +480,7 @@
           <a:p>
             <a:fld id="{B31508FC-DFA2-9B40-8A1D-7B38C710F369}" type="datetimeFigureOut">
               <a:rPr kumimoji="1" lang="zh-CN" altLang="en-US" smtClean="0"/>
-              <a:t>2018/9/4</a:t>
+              <a:t>2018/9/5</a:t>
             </a:fld>
             <a:endParaRPr kumimoji="1" lang="zh-CN" altLang="en-US"/>
           </a:p>
@@ -688,7 +688,7 @@
           <a:p>
             <a:fld id="{B31508FC-DFA2-9B40-8A1D-7B38C710F369}" type="datetimeFigureOut">
               <a:rPr kumimoji="1" lang="zh-CN" altLang="en-US" smtClean="0"/>
-              <a:t>2018/9/4</a:t>
+              <a:t>2018/9/5</a:t>
             </a:fld>
             <a:endParaRPr kumimoji="1" lang="zh-CN" altLang="en-US"/>
           </a:p>
@@ -886,7 +886,7 @@
           <a:p>
             <a:fld id="{B31508FC-DFA2-9B40-8A1D-7B38C710F369}" type="datetimeFigureOut">
               <a:rPr kumimoji="1" lang="zh-CN" altLang="en-US" smtClean="0"/>
-              <a:t>2018/9/4</a:t>
+              <a:t>2018/9/5</a:t>
             </a:fld>
             <a:endParaRPr kumimoji="1" lang="zh-CN" altLang="en-US"/>
           </a:p>
@@ -1161,7 +1161,7 @@
           <a:p>
             <a:fld id="{B31508FC-DFA2-9B40-8A1D-7B38C710F369}" type="datetimeFigureOut">
               <a:rPr kumimoji="1" lang="zh-CN" altLang="en-US" smtClean="0"/>
-              <a:t>2018/9/4</a:t>
+              <a:t>2018/9/5</a:t>
             </a:fld>
             <a:endParaRPr kumimoji="1" lang="zh-CN" altLang="en-US"/>
           </a:p>
@@ -1426,7 +1426,7 @@
           <a:p>
             <a:fld id="{B31508FC-DFA2-9B40-8A1D-7B38C710F369}" type="datetimeFigureOut">
               <a:rPr kumimoji="1" lang="zh-CN" altLang="en-US" smtClean="0"/>
-              <a:t>2018/9/4</a:t>
+              <a:t>2018/9/5</a:t>
             </a:fld>
             <a:endParaRPr kumimoji="1" lang="zh-CN" altLang="en-US"/>
           </a:p>
@@ -1838,7 +1838,7 @@
           <a:p>
             <a:fld id="{B31508FC-DFA2-9B40-8A1D-7B38C710F369}" type="datetimeFigureOut">
               <a:rPr kumimoji="1" lang="zh-CN" altLang="en-US" smtClean="0"/>
-              <a:t>2018/9/4</a:t>
+              <a:t>2018/9/5</a:t>
             </a:fld>
             <a:endParaRPr kumimoji="1" lang="zh-CN" altLang="en-US"/>
           </a:p>
@@ -1979,7 +1979,7 @@
           <a:p>
             <a:fld id="{B31508FC-DFA2-9B40-8A1D-7B38C710F369}" type="datetimeFigureOut">
               <a:rPr kumimoji="1" lang="zh-CN" altLang="en-US" smtClean="0"/>
-              <a:t>2018/9/4</a:t>
+              <a:t>2018/9/5</a:t>
             </a:fld>
             <a:endParaRPr kumimoji="1" lang="zh-CN" altLang="en-US"/>
           </a:p>
@@ -2092,7 +2092,7 @@
           <a:p>
             <a:fld id="{B31508FC-DFA2-9B40-8A1D-7B38C710F369}" type="datetimeFigureOut">
               <a:rPr kumimoji="1" lang="zh-CN" altLang="en-US" smtClean="0"/>
-              <a:t>2018/9/4</a:t>
+              <a:t>2018/9/5</a:t>
             </a:fld>
             <a:endParaRPr kumimoji="1" lang="zh-CN" altLang="en-US"/>
           </a:p>
@@ -2403,7 +2403,7 @@
           <a:p>
             <a:fld id="{B31508FC-DFA2-9B40-8A1D-7B38C710F369}" type="datetimeFigureOut">
               <a:rPr kumimoji="1" lang="zh-CN" altLang="en-US" smtClean="0"/>
-              <a:t>2018/9/4</a:t>
+              <a:t>2018/9/5</a:t>
             </a:fld>
             <a:endParaRPr kumimoji="1" lang="zh-CN" altLang="en-US"/>
           </a:p>
@@ -2691,7 +2691,7 @@
           <a:p>
             <a:fld id="{B31508FC-DFA2-9B40-8A1D-7B38C710F369}" type="datetimeFigureOut">
               <a:rPr kumimoji="1" lang="zh-CN" altLang="en-US" smtClean="0"/>
-              <a:t>2018/9/4</a:t>
+              <a:t>2018/9/5</a:t>
             </a:fld>
             <a:endParaRPr kumimoji="1" lang="zh-CN" altLang="en-US"/>
           </a:p>
@@ -2932,7 +2932,7 @@
           <a:p>
             <a:fld id="{B31508FC-DFA2-9B40-8A1D-7B38C710F369}" type="datetimeFigureOut">
               <a:rPr kumimoji="1" lang="zh-CN" altLang="en-US" smtClean="0"/>
-              <a:t>2018/9/4</a:t>
+              <a:t>2018/9/5</a:t>
             </a:fld>
             <a:endParaRPr kumimoji="1" lang="zh-CN" altLang="en-US"/>
           </a:p>
@@ -3666,6 +3666,14 @@
             <a:r>
               <a:rPr lang="en-US" altLang="zh-CN" dirty="0" err="1"/>
               <a:t>execstack</a:t>
+            </a:r>
+            <a:r>
+              <a:rPr lang="zh-Hans" altLang="en-US" dirty="0"/>
+              <a:t> </a:t>
+            </a:r>
+            <a:r>
+              <a:rPr lang="en-US" altLang="zh-Hans"/>
+              <a:t>–no-pie</a:t>
             </a:r>
             <a:endParaRPr lang="zh-CN" altLang="zh-CN" dirty="0"/>
           </a:p>
